--- a/Docs/Final_Presentation_Template.pptx
+++ b/Docs/Final_Presentation_Template.pptx
@@ -5,7 +5,7 @@
     <p:sldMasterId id="2147483648" r:id="rId1"/>
   </p:sldMasterIdLst>
   <p:notesMasterIdLst>
-    <p:notesMasterId r:id="rId14"/>
+    <p:notesMasterId r:id="rId17"/>
   </p:notesMasterIdLst>
   <p:sldIdLst>
     <p:sldId id="256" r:id="rId2"/>
@@ -14,12 +14,15 @@
     <p:sldId id="641" r:id="rId5"/>
     <p:sldId id="642" r:id="rId6"/>
     <p:sldId id="643" r:id="rId7"/>
-    <p:sldId id="644" r:id="rId8"/>
-    <p:sldId id="645" r:id="rId9"/>
-    <p:sldId id="646" r:id="rId10"/>
-    <p:sldId id="647" r:id="rId11"/>
-    <p:sldId id="649" r:id="rId12"/>
-    <p:sldId id="648" r:id="rId13"/>
+    <p:sldId id="650" r:id="rId8"/>
+    <p:sldId id="651" r:id="rId9"/>
+    <p:sldId id="652" r:id="rId10"/>
+    <p:sldId id="644" r:id="rId11"/>
+    <p:sldId id="645" r:id="rId12"/>
+    <p:sldId id="646" r:id="rId13"/>
+    <p:sldId id="647" r:id="rId14"/>
+    <p:sldId id="649" r:id="rId15"/>
+    <p:sldId id="648" r:id="rId16"/>
   </p:sldIdLst>
   <p:sldSz cx="12192000" cy="6858000"/>
   <p:notesSz cx="6858000" cy="9144000"/>
@@ -208,7 +211,7 @@
           <a:p>
             <a:fld id="{CE0A5C4C-492F-3949-8FE1-5C5C2671C8D4}" type="datetimeFigureOut">
               <a:rPr lang="en-US" smtClean="0"/>
-              <a:t>5/7/20</a:t>
+              <a:t>5/7/2020</a:t>
             </a:fld>
             <a:endParaRPr lang="en-US"/>
           </a:p>
@@ -710,7 +713,7 @@
           <a:p>
             <a:fld id="{A888629B-B16A-7349-B2C1-88D68E4AADD2}" type="datetimeFigureOut">
               <a:rPr lang="en-US" smtClean="0"/>
-              <a:t>5/7/20</a:t>
+              <a:t>5/7/2020</a:t>
             </a:fld>
             <a:endParaRPr lang="en-US"/>
           </a:p>
@@ -878,7 +881,7 @@
           <a:p>
             <a:fld id="{A888629B-B16A-7349-B2C1-88D68E4AADD2}" type="datetimeFigureOut">
               <a:rPr lang="en-US" smtClean="0"/>
-              <a:t>5/7/20</a:t>
+              <a:t>5/7/2020</a:t>
             </a:fld>
             <a:endParaRPr lang="en-US"/>
           </a:p>
@@ -1056,7 +1059,7 @@
           <a:p>
             <a:fld id="{A888629B-B16A-7349-B2C1-88D68E4AADD2}" type="datetimeFigureOut">
               <a:rPr lang="en-US" smtClean="0"/>
-              <a:t>5/7/20</a:t>
+              <a:t>5/7/2020</a:t>
             </a:fld>
             <a:endParaRPr lang="en-US"/>
           </a:p>
@@ -1224,7 +1227,7 @@
           <a:p>
             <a:fld id="{A888629B-B16A-7349-B2C1-88D68E4AADD2}" type="datetimeFigureOut">
               <a:rPr lang="en-US" smtClean="0"/>
-              <a:t>5/7/20</a:t>
+              <a:t>5/7/2020</a:t>
             </a:fld>
             <a:endParaRPr lang="en-US"/>
           </a:p>
@@ -1469,7 +1472,7 @@
           <a:p>
             <a:fld id="{A888629B-B16A-7349-B2C1-88D68E4AADD2}" type="datetimeFigureOut">
               <a:rPr lang="en-US" smtClean="0"/>
-              <a:t>5/7/20</a:t>
+              <a:t>5/7/2020</a:t>
             </a:fld>
             <a:endParaRPr lang="en-US"/>
           </a:p>
@@ -1698,7 +1701,7 @@
           <a:p>
             <a:fld id="{A888629B-B16A-7349-B2C1-88D68E4AADD2}" type="datetimeFigureOut">
               <a:rPr lang="en-US" smtClean="0"/>
-              <a:t>5/7/20</a:t>
+              <a:t>5/7/2020</a:t>
             </a:fld>
             <a:endParaRPr lang="en-US"/>
           </a:p>
@@ -2062,7 +2065,7 @@
           <a:p>
             <a:fld id="{A888629B-B16A-7349-B2C1-88D68E4AADD2}" type="datetimeFigureOut">
               <a:rPr lang="en-US" smtClean="0"/>
-              <a:t>5/7/20</a:t>
+              <a:t>5/7/2020</a:t>
             </a:fld>
             <a:endParaRPr lang="en-US"/>
           </a:p>
@@ -2251,7 +2254,7 @@
           <a:p>
             <a:fld id="{A888629B-B16A-7349-B2C1-88D68E4AADD2}" type="datetimeFigureOut">
               <a:rPr lang="en-US" smtClean="0"/>
-              <a:t>5/7/20</a:t>
+              <a:t>5/7/2020</a:t>
             </a:fld>
             <a:endParaRPr lang="en-US"/>
           </a:p>
@@ -2526,7 +2529,7 @@
           <a:p>
             <a:fld id="{A888629B-B16A-7349-B2C1-88D68E4AADD2}" type="datetimeFigureOut">
               <a:rPr lang="en-US" smtClean="0"/>
-              <a:t>5/7/20</a:t>
+              <a:t>5/7/2020</a:t>
             </a:fld>
             <a:endParaRPr lang="en-US"/>
           </a:p>
@@ -2778,7 +2781,7 @@
           <a:p>
             <a:fld id="{A888629B-B16A-7349-B2C1-88D68E4AADD2}" type="datetimeFigureOut">
               <a:rPr lang="en-US" smtClean="0"/>
-              <a:t>5/7/20</a:t>
+              <a:t>5/7/2020</a:t>
             </a:fld>
             <a:endParaRPr lang="en-US"/>
           </a:p>
@@ -2989,7 +2992,7 @@
           <a:p>
             <a:fld id="{A888629B-B16A-7349-B2C1-88D68E4AADD2}" type="datetimeFigureOut">
               <a:rPr lang="en-US" smtClean="0"/>
-              <a:t>5/7/20</a:t>
+              <a:t>5/7/2020</a:t>
             </a:fld>
             <a:endParaRPr lang="en-US"/>
           </a:p>
@@ -3574,7 +3577,7 @@
           <p:cNvPr id="2" name="Title 1">
             <a:extLst>
               <a:ext uri="{FF2B5EF4-FFF2-40B4-BE49-F238E27FC236}">
-                <a16:creationId xmlns:a16="http://schemas.microsoft.com/office/drawing/2014/main" id="{2018B7B1-5D28-42F1-9C9F-7F4AE55D5F24}"/>
+                <a16:creationId xmlns:a16="http://schemas.microsoft.com/office/drawing/2014/main" id="{AAEFEBA4-1CB4-448B-B8E4-AE04C0973869}"/>
               </a:ext>
             </a:extLst>
           </p:cNvPr>
@@ -3592,7 +3595,7 @@
           <a:p>
             <a:r>
               <a:rPr lang="en-US" dirty="0"/>
-              <a:t>Conclusion</a:t>
+              <a:t>Solution approach</a:t>
             </a:r>
           </a:p>
         </p:txBody>
@@ -3602,7 +3605,7 @@
           <p:cNvPr id="3" name="Content Placeholder 2">
             <a:extLst>
               <a:ext uri="{FF2B5EF4-FFF2-40B4-BE49-F238E27FC236}">
-                <a16:creationId xmlns:a16="http://schemas.microsoft.com/office/drawing/2014/main" id="{D8297343-AC6D-4722-91FD-1514823326C6}"/>
+                <a16:creationId xmlns:a16="http://schemas.microsoft.com/office/drawing/2014/main" id="{C0937C4F-34E6-425A-B70D-97F7D555E10E}"/>
               </a:ext>
             </a:extLst>
           </p:cNvPr>
@@ -3620,25 +3623,32 @@
           <a:p>
             <a:r>
               <a:rPr lang="en-US" dirty="0"/>
-              <a:t>Conclusions from the analysis</a:t>
-            </a:r>
-          </a:p>
-          <a:p>
+              <a:t>Give broad solution approach</a:t>
+            </a:r>
+          </a:p>
+          <a:p>
+            <a:pPr lvl="1"/>
             <a:r>
               <a:rPr lang="en-US" dirty="0"/>
-              <a:t>Limitations of the work and how they can be addressed in the future</a:t>
+              <a:t>Explain how it addresses the problem statement, challenges raised in the previous slides</a:t>
             </a:r>
           </a:p>
           <a:p>
             <a:r>
               <a:rPr lang="en-US" dirty="0"/>
-              <a:t>Feedback for instructors:  What worked and what might you suggest we change next time around</a:t>
-            </a:r>
-          </a:p>
-          <a:p>
-            <a:pPr marL="0" indent="0">
-              <a:buNone/>
-            </a:pPr>
+              <a:t>Give block diagram of your solution/model</a:t>
+            </a:r>
+          </a:p>
+          <a:p>
+            <a:pPr lvl="1"/>
+            <a:r>
+              <a:rPr lang="en-US" dirty="0"/>
+              <a:t>Give relevant details about the model for e.g. training, testing, inference </a:t>
+            </a:r>
+            <a:r>
+              <a:rPr lang="en-US" dirty="0" err="1"/>
+              <a:t>etc</a:t>
+            </a:r>
             <a:endParaRPr lang="en-US" dirty="0"/>
           </a:p>
         </p:txBody>
@@ -3646,7 +3656,7 @@
     </p:spTree>
     <p:extLst>
       <p:ext uri="{BB962C8B-B14F-4D97-AF65-F5344CB8AC3E}">
-        <p14:creationId xmlns:p14="http://schemas.microsoft.com/office/powerpoint/2010/main" val="1140533202"/>
+        <p14:creationId xmlns:p14="http://schemas.microsoft.com/office/powerpoint/2010/main" val="4223635489"/>
       </p:ext>
     </p:extLst>
   </p:cSld>
@@ -3678,6 +3688,294 @@
           <p:cNvPr id="2" name="Title 1">
             <a:extLst>
               <a:ext uri="{FF2B5EF4-FFF2-40B4-BE49-F238E27FC236}">
+                <a16:creationId xmlns:a16="http://schemas.microsoft.com/office/drawing/2014/main" id="{6C69D2E2-9F46-4D0C-8204-AEBAEDA1A73D}"/>
+              </a:ext>
+            </a:extLst>
+          </p:cNvPr>
+          <p:cNvSpPr>
+            <a:spLocks noGrp="1"/>
+          </p:cNvSpPr>
+          <p:nvPr>
+            <p:ph type="title"/>
+          </p:nvPr>
+        </p:nvSpPr>
+        <p:spPr/>
+        <p:txBody>
+          <a:bodyPr/>
+          <a:lstStyle/>
+          <a:p>
+            <a:r>
+              <a:rPr lang="en-US" dirty="0"/>
+              <a:t>Baseline approach – existing methods</a:t>
+            </a:r>
+          </a:p>
+        </p:txBody>
+      </p:sp>
+      <p:sp>
+        <p:nvSpPr>
+          <p:cNvPr id="3" name="Content Placeholder 2">
+            <a:extLst>
+              <a:ext uri="{FF2B5EF4-FFF2-40B4-BE49-F238E27FC236}">
+                <a16:creationId xmlns:a16="http://schemas.microsoft.com/office/drawing/2014/main" id="{AF206213-5C23-4CFB-822A-FF3A05E26B0B}"/>
+              </a:ext>
+            </a:extLst>
+          </p:cNvPr>
+          <p:cNvSpPr>
+            <a:spLocks noGrp="1"/>
+          </p:cNvSpPr>
+          <p:nvPr>
+            <p:ph idx="1"/>
+          </p:nvPr>
+        </p:nvSpPr>
+        <p:spPr/>
+        <p:txBody>
+          <a:bodyPr/>
+          <a:lstStyle/>
+          <a:p>
+            <a:r>
+              <a:rPr lang="en-US" dirty="0"/>
+              <a:t>Briefly describe the baseline method (existing methods that address your problem statement) you will be comparing your results with</a:t>
+            </a:r>
+          </a:p>
+        </p:txBody>
+      </p:sp>
+    </p:spTree>
+    <p:extLst>
+      <p:ext uri="{BB962C8B-B14F-4D97-AF65-F5344CB8AC3E}">
+        <p14:creationId xmlns:p14="http://schemas.microsoft.com/office/powerpoint/2010/main" val="3280035161"/>
+      </p:ext>
+    </p:extLst>
+  </p:cSld>
+  <p:clrMapOvr>
+    <a:masterClrMapping/>
+  </p:clrMapOvr>
+</p:sld>
+</file>
+
+<file path=ppt/slides/slide12.xml><?xml version="1.0" encoding="utf-8"?>
+<p:sld xmlns:a="http://schemas.openxmlformats.org/drawingml/2006/main" xmlns:r="http://schemas.openxmlformats.org/officeDocument/2006/relationships" xmlns:p="http://schemas.openxmlformats.org/presentationml/2006/main">
+  <p:cSld>
+    <p:spTree>
+      <p:nvGrpSpPr>
+        <p:cNvPr id="1" name=""/>
+        <p:cNvGrpSpPr/>
+        <p:nvPr/>
+      </p:nvGrpSpPr>
+      <p:grpSpPr>
+        <a:xfrm>
+          <a:off x="0" y="0"/>
+          <a:ext cx="0" cy="0"/>
+          <a:chOff x="0" y="0"/>
+          <a:chExt cx="0" cy="0"/>
+        </a:xfrm>
+      </p:grpSpPr>
+      <p:sp>
+        <p:nvSpPr>
+          <p:cNvPr id="2" name="Title 1">
+            <a:extLst>
+              <a:ext uri="{FF2B5EF4-FFF2-40B4-BE49-F238E27FC236}">
+                <a16:creationId xmlns:a16="http://schemas.microsoft.com/office/drawing/2014/main" id="{E7CA8450-063E-4BFE-BCC0-7B88119508EF}"/>
+              </a:ext>
+            </a:extLst>
+          </p:cNvPr>
+          <p:cNvSpPr>
+            <a:spLocks noGrp="1"/>
+          </p:cNvSpPr>
+          <p:nvPr>
+            <p:ph type="title"/>
+          </p:nvPr>
+        </p:nvSpPr>
+        <p:spPr/>
+        <p:txBody>
+          <a:bodyPr/>
+          <a:lstStyle/>
+          <a:p>
+            <a:r>
+              <a:rPr lang="en-US" dirty="0"/>
+              <a:t>Results</a:t>
+            </a:r>
+          </a:p>
+        </p:txBody>
+      </p:sp>
+      <p:sp>
+        <p:nvSpPr>
+          <p:cNvPr id="3" name="Content Placeholder 2">
+            <a:extLst>
+              <a:ext uri="{FF2B5EF4-FFF2-40B4-BE49-F238E27FC236}">
+                <a16:creationId xmlns:a16="http://schemas.microsoft.com/office/drawing/2014/main" id="{4755451C-11FE-4A59-8644-D917B631A651}"/>
+              </a:ext>
+            </a:extLst>
+          </p:cNvPr>
+          <p:cNvSpPr>
+            <a:spLocks noGrp="1"/>
+          </p:cNvSpPr>
+          <p:nvPr>
+            <p:ph idx="1"/>
+          </p:nvPr>
+        </p:nvSpPr>
+        <p:spPr/>
+        <p:txBody>
+          <a:bodyPr/>
+          <a:lstStyle/>
+          <a:p>
+            <a:r>
+              <a:rPr lang="en-US" dirty="0"/>
+              <a:t>Describe the results of your model and compare it with the baseline</a:t>
+            </a:r>
+          </a:p>
+          <a:p>
+            <a:r>
+              <a:rPr lang="en-US" dirty="0"/>
+              <a:t>Interpret the results and draw relevant conclusions about the data and method</a:t>
+            </a:r>
+          </a:p>
+          <a:p>
+            <a:r>
+              <a:rPr lang="en-US" dirty="0"/>
+              <a:t>Any other interesting insights/observations</a:t>
+            </a:r>
+          </a:p>
+        </p:txBody>
+      </p:sp>
+    </p:spTree>
+    <p:extLst>
+      <p:ext uri="{BB962C8B-B14F-4D97-AF65-F5344CB8AC3E}">
+        <p14:creationId xmlns:p14="http://schemas.microsoft.com/office/powerpoint/2010/main" val="101042143"/>
+      </p:ext>
+    </p:extLst>
+  </p:cSld>
+  <p:clrMapOvr>
+    <a:masterClrMapping/>
+  </p:clrMapOvr>
+</p:sld>
+</file>
+
+<file path=ppt/slides/slide13.xml><?xml version="1.0" encoding="utf-8"?>
+<p:sld xmlns:a="http://schemas.openxmlformats.org/drawingml/2006/main" xmlns:r="http://schemas.openxmlformats.org/officeDocument/2006/relationships" xmlns:p="http://schemas.openxmlformats.org/presentationml/2006/main">
+  <p:cSld>
+    <p:spTree>
+      <p:nvGrpSpPr>
+        <p:cNvPr id="1" name=""/>
+        <p:cNvGrpSpPr/>
+        <p:nvPr/>
+      </p:nvGrpSpPr>
+      <p:grpSpPr>
+        <a:xfrm>
+          <a:off x="0" y="0"/>
+          <a:ext cx="0" cy="0"/>
+          <a:chOff x="0" y="0"/>
+          <a:chExt cx="0" cy="0"/>
+        </a:xfrm>
+      </p:grpSpPr>
+      <p:sp>
+        <p:nvSpPr>
+          <p:cNvPr id="2" name="Title 1">
+            <a:extLst>
+              <a:ext uri="{FF2B5EF4-FFF2-40B4-BE49-F238E27FC236}">
+                <a16:creationId xmlns:a16="http://schemas.microsoft.com/office/drawing/2014/main" id="{2018B7B1-5D28-42F1-9C9F-7F4AE55D5F24}"/>
+              </a:ext>
+            </a:extLst>
+          </p:cNvPr>
+          <p:cNvSpPr>
+            <a:spLocks noGrp="1"/>
+          </p:cNvSpPr>
+          <p:nvPr>
+            <p:ph type="title"/>
+          </p:nvPr>
+        </p:nvSpPr>
+        <p:spPr/>
+        <p:txBody>
+          <a:bodyPr/>
+          <a:lstStyle/>
+          <a:p>
+            <a:r>
+              <a:rPr lang="en-US" dirty="0"/>
+              <a:t>Conclusion</a:t>
+            </a:r>
+          </a:p>
+        </p:txBody>
+      </p:sp>
+      <p:sp>
+        <p:nvSpPr>
+          <p:cNvPr id="3" name="Content Placeholder 2">
+            <a:extLst>
+              <a:ext uri="{FF2B5EF4-FFF2-40B4-BE49-F238E27FC236}">
+                <a16:creationId xmlns:a16="http://schemas.microsoft.com/office/drawing/2014/main" id="{D8297343-AC6D-4722-91FD-1514823326C6}"/>
+              </a:ext>
+            </a:extLst>
+          </p:cNvPr>
+          <p:cNvSpPr>
+            <a:spLocks noGrp="1"/>
+          </p:cNvSpPr>
+          <p:nvPr>
+            <p:ph idx="1"/>
+          </p:nvPr>
+        </p:nvSpPr>
+        <p:spPr/>
+        <p:txBody>
+          <a:bodyPr/>
+          <a:lstStyle/>
+          <a:p>
+            <a:r>
+              <a:rPr lang="en-US" dirty="0"/>
+              <a:t>Conclusions from the analysis</a:t>
+            </a:r>
+          </a:p>
+          <a:p>
+            <a:r>
+              <a:rPr lang="en-US" dirty="0"/>
+              <a:t>Limitations of the work and how they can be addressed in the future</a:t>
+            </a:r>
+          </a:p>
+          <a:p>
+            <a:r>
+              <a:rPr lang="en-US" dirty="0"/>
+              <a:t>Feedback for instructors:  What worked and what might you suggest we change next time around</a:t>
+            </a:r>
+          </a:p>
+          <a:p>
+            <a:pPr marL="0" indent="0">
+              <a:buNone/>
+            </a:pPr>
+            <a:endParaRPr lang="en-US" dirty="0"/>
+          </a:p>
+        </p:txBody>
+      </p:sp>
+    </p:spTree>
+    <p:extLst>
+      <p:ext uri="{BB962C8B-B14F-4D97-AF65-F5344CB8AC3E}">
+        <p14:creationId xmlns:p14="http://schemas.microsoft.com/office/powerpoint/2010/main" val="1140533202"/>
+      </p:ext>
+    </p:extLst>
+  </p:cSld>
+  <p:clrMapOvr>
+    <a:masterClrMapping/>
+  </p:clrMapOvr>
+</p:sld>
+</file>
+
+<file path=ppt/slides/slide14.xml><?xml version="1.0" encoding="utf-8"?>
+<p:sld xmlns:a="http://schemas.openxmlformats.org/drawingml/2006/main" xmlns:r="http://schemas.openxmlformats.org/officeDocument/2006/relationships" xmlns:p="http://schemas.openxmlformats.org/presentationml/2006/main">
+  <p:cSld>
+    <p:spTree>
+      <p:nvGrpSpPr>
+        <p:cNvPr id="1" name=""/>
+        <p:cNvGrpSpPr/>
+        <p:nvPr/>
+      </p:nvGrpSpPr>
+      <p:grpSpPr>
+        <a:xfrm>
+          <a:off x="0" y="0"/>
+          <a:ext cx="0" cy="0"/>
+          <a:chOff x="0" y="0"/>
+          <a:chExt cx="0" cy="0"/>
+        </a:xfrm>
+      </p:grpSpPr>
+      <p:sp>
+        <p:nvSpPr>
+          <p:cNvPr id="2" name="Title 1">
+            <a:extLst>
+              <a:ext uri="{FF2B5EF4-FFF2-40B4-BE49-F238E27FC236}">
                 <a16:creationId xmlns:a16="http://schemas.microsoft.com/office/drawing/2014/main" id="{76532D30-0440-4685-B057-6A9382E482B3}"/>
               </a:ext>
             </a:extLst>
@@ -3724,7 +4022,7 @@
           <a:p>
             <a:r>
               <a:rPr lang="en-US" dirty="0"/>
-              <a:t>Akhilesh:</a:t>
+              <a:t>Akhilesh: Feature Generation, PCA, LDA, Clustering, RNN</a:t>
             </a:r>
           </a:p>
           <a:p>
@@ -3754,7 +4052,7 @@
 </p:sld>
 </file>
 
-<file path=ppt/slides/slide12.xml><?xml version="1.0" encoding="utf-8"?>
+<file path=ppt/slides/slide15.xml><?xml version="1.0" encoding="utf-8"?>
 <p:sld xmlns:a="http://schemas.openxmlformats.org/drawingml/2006/main" xmlns:r="http://schemas.openxmlformats.org/officeDocument/2006/relationships" xmlns:p="http://schemas.openxmlformats.org/presentationml/2006/main">
   <p:cSld>
     <p:spTree>
@@ -8129,7 +8427,12 @@
             <p:ph idx="1"/>
           </p:nvPr>
         </p:nvSpPr>
-        <p:spPr/>
+        <p:spPr>
+          <a:xfrm>
+            <a:off x="838200" y="877625"/>
+            <a:ext cx="10515600" cy="4504450"/>
+          </a:xfrm>
+        </p:spPr>
         <p:txBody>
           <a:bodyPr/>
           <a:lstStyle/>
@@ -8154,20 +8457,91 @@
             </a:r>
           </a:p>
           <a:p>
+            <a:r>
+              <a:rPr lang="en-US" dirty="0"/>
+              <a:t> Custom Feature Engineering</a:t>
+            </a:r>
+          </a:p>
+          <a:p>
+            <a:pPr lvl="1"/>
+            <a:r>
+              <a:rPr lang="en-US" dirty="0"/>
+              <a:t>OHLC – not sufficient to accurately study trends and predict stock changes</a:t>
+            </a:r>
+          </a:p>
+          <a:p>
+            <a:pPr lvl="1"/>
+            <a:r>
+              <a:rPr lang="en-US" dirty="0"/>
+              <a:t>Nonlinear features – Technical Indicators</a:t>
+            </a:r>
+          </a:p>
+          <a:p>
             <a:pPr lvl="1"/>
             <a:endParaRPr lang="en-US" dirty="0"/>
           </a:p>
-          <a:p>
-            <a:r>
-              <a:rPr lang="en-US" dirty="0"/>
-              <a:t> Custom Feature Engineering</a:t>
-            </a:r>
-          </a:p>
-          <a:p>
-            <a:pPr lvl="1"/>
-            <a:r>
-              <a:rPr lang="en-US" dirty="0"/>
-              <a:t>Nonlinear features – Technical Indicators</a:t>
+        </p:txBody>
+      </p:sp>
+      <p:pic>
+        <p:nvPicPr>
+          <p:cNvPr id="4" name="Picture 3">
+            <a:extLst>
+              <a:ext uri="{FF2B5EF4-FFF2-40B4-BE49-F238E27FC236}">
+                <a16:creationId xmlns:a16="http://schemas.microsoft.com/office/drawing/2014/main" id="{E47741FC-DED8-46A8-A9AF-B40DC1B6ACEB}"/>
+              </a:ext>
+            </a:extLst>
+          </p:cNvPr>
+          <p:cNvPicPr>
+            <a:picLocks noChangeAspect="1"/>
+          </p:cNvPicPr>
+          <p:nvPr/>
+        </p:nvPicPr>
+        <p:blipFill>
+          <a:blip r:embed="rId2"/>
+          <a:stretch>
+            <a:fillRect/>
+          </a:stretch>
+        </p:blipFill>
+        <p:spPr>
+          <a:xfrm>
+            <a:off x="2743200" y="3357853"/>
+            <a:ext cx="6308333" cy="3208772"/>
+          </a:xfrm>
+          <a:prstGeom prst="rect">
+            <a:avLst/>
+          </a:prstGeom>
+        </p:spPr>
+      </p:pic>
+      <p:sp>
+        <p:nvSpPr>
+          <p:cNvPr id="5" name="Rectangle 4">
+            <a:extLst>
+              <a:ext uri="{FF2B5EF4-FFF2-40B4-BE49-F238E27FC236}">
+                <a16:creationId xmlns:a16="http://schemas.microsoft.com/office/drawing/2014/main" id="{2279722A-5AF9-4AA1-84E6-456AA36FC18E}"/>
+              </a:ext>
+            </a:extLst>
+          </p:cNvPr>
+          <p:cNvSpPr/>
+          <p:nvPr/>
+        </p:nvSpPr>
+        <p:spPr>
+          <a:xfrm>
+            <a:off x="4287267" y="6457890"/>
+            <a:ext cx="4005392" cy="400110"/>
+          </a:xfrm>
+          <a:prstGeom prst="rect">
+            <a:avLst/>
+          </a:prstGeom>
+        </p:spPr>
+        <p:txBody>
+          <a:bodyPr wrap="none">
+            <a:spAutoFit/>
+          </a:bodyPr>
+          <a:lstStyle/>
+          <a:p>
+            <a:r>
+              <a:rPr lang="en-US" sz="2000" dirty="0"/>
+              <a:t>Linear Regression Fit (Apple’s stocks)</a:t>
             </a:r>
           </a:p>
         </p:txBody>
@@ -8246,7 +8620,12 @@
             <p:ph idx="1"/>
           </p:nvPr>
         </p:nvSpPr>
-        <p:spPr/>
+        <p:spPr>
+          <a:xfrm>
+            <a:off x="838200" y="887899"/>
+            <a:ext cx="11059274" cy="4504450"/>
+          </a:xfrm>
+        </p:spPr>
         <p:txBody>
           <a:bodyPr/>
           <a:lstStyle/>
@@ -8255,11 +8634,32 @@
               <a:rPr lang="en-US" dirty="0"/>
               <a:t>Huge Time Series Dataset</a:t>
             </a:r>
-          </a:p>
-          <a:p>
-            <a:r>
+            <a:br>
               <a:rPr lang="en-US" dirty="0"/>
-              <a:t>Historical prices alone do not guarantee returns </a:t>
+            </a:br>
+            <a:r>
+              <a:rPr lang="en-US" dirty="0"/>
+              <a:t>- 1200 data points for each stock</a:t>
+            </a:r>
+            <a:br>
+              <a:rPr lang="en-US" dirty="0"/>
+            </a:br>
+            <a:r>
+              <a:rPr lang="en-US" dirty="0"/>
+              <a:t>- 500 such stocks</a:t>
+            </a:r>
+          </a:p>
+          <a:p>
+            <a:r>
+              <a:rPr lang="en-US" dirty="0"/>
+              <a:t>Historical prices alone do not guarantee returns</a:t>
+            </a:r>
+            <a:br>
+              <a:rPr lang="en-US" dirty="0"/>
+            </a:br>
+            <a:r>
+              <a:rPr lang="en-US" dirty="0"/>
+              <a:t>- News related events influence prices</a:t>
             </a:r>
           </a:p>
           <a:p>
@@ -8267,10 +8667,6 @@
               <a:rPr lang="en-US" dirty="0"/>
               <a:t>Complex interactions b/w stocks – requires clever problem formulation</a:t>
             </a:r>
-          </a:p>
-          <a:p>
-            <a:pPr lvl="2"/>
-            <a:endParaRPr lang="en-US" dirty="0"/>
           </a:p>
           <a:p>
             <a:r>
@@ -8333,7 +8729,7 @@
           <a:p>
             <a:r>
               <a:rPr lang="en-US" dirty="0"/>
-              <a:t>Solution approach</a:t>
+              <a:t>PCA and Clustering Approach</a:t>
             </a:r>
           </a:p>
         </p:txBody>
@@ -8354,47 +8750,135 @@
             <p:ph idx="1"/>
           </p:nvPr>
         </p:nvSpPr>
-        <p:spPr/>
+        <p:spPr>
+          <a:xfrm>
+            <a:off x="838200" y="836616"/>
+            <a:ext cx="10515600" cy="4504450"/>
+          </a:xfrm>
+        </p:spPr>
         <p:txBody>
           <a:bodyPr/>
           <a:lstStyle/>
           <a:p>
             <a:r>
               <a:rPr lang="en-US" dirty="0"/>
-              <a:t>Give broad solution approach</a:t>
-            </a:r>
-          </a:p>
-          <a:p>
-            <a:pPr lvl="1"/>
+              <a:t>Novel approach to achieve the sector-wise segregation</a:t>
+            </a:r>
+          </a:p>
+          <a:p>
             <a:r>
               <a:rPr lang="en-US" dirty="0"/>
-              <a:t>Explain how it addresses the problem statement, challenges raised in the previous slides</a:t>
-            </a:r>
-          </a:p>
-          <a:p>
-            <a:r>
+              <a:t>Challenges: </a:t>
+            </a:r>
+            <a:br>
               <a:rPr lang="en-US" dirty="0"/>
-              <a:t>Give block diagram of your solution/model</a:t>
-            </a:r>
-          </a:p>
-          <a:p>
-            <a:pPr lvl="1"/>
+            </a:br>
+            <a:r>
+              <a:rPr lang="en-US" dirty="0">
+                <a:sym typeface="Wingdings" panose="05000000000000000000" pitchFamily="2" charset="2"/>
+              </a:rPr>
+              <a:t></a:t>
+            </a:r>
             <a:r>
               <a:rPr lang="en-US" dirty="0"/>
-              <a:t>Give relevant details about the model for e.g. training, testing, inference </a:t>
-            </a:r>
-            <a:r>
-              <a:rPr lang="en-US" dirty="0" err="1"/>
-              <a:t>etc</a:t>
-            </a:r>
+              <a:t>3D time-series data</a:t>
+            </a:r>
+            <a:br>
+              <a:rPr lang="en-US" dirty="0"/>
+            </a:br>
+            <a:r>
+              <a:rPr lang="en-US" dirty="0">
+                <a:sym typeface="Wingdings" panose="05000000000000000000" pitchFamily="2" charset="2"/>
+              </a:rPr>
+              <a:t>PCA works on 2D data</a:t>
+            </a:r>
+          </a:p>
+          <a:p>
+            <a:r>
+              <a:rPr lang="en-US" dirty="0">
+                <a:sym typeface="Wingdings" panose="05000000000000000000" pitchFamily="2" charset="2"/>
+              </a:rPr>
+              <a:t>Approach: Condense the time-series data</a:t>
+            </a:r>
+          </a:p>
+          <a:p>
+            <a:r>
+              <a:rPr lang="en-US" dirty="0">
+                <a:sym typeface="Wingdings" panose="05000000000000000000" pitchFamily="2" charset="2"/>
+              </a:rPr>
+              <a:t>Results: PC1 and PC2 cover ~ 90 percent variance</a:t>
+            </a:r>
+            <a:br>
+              <a:rPr lang="en-US" dirty="0"/>
+            </a:br>
             <a:endParaRPr lang="en-US" dirty="0"/>
           </a:p>
         </p:txBody>
       </p:sp>
+      <p:pic>
+        <p:nvPicPr>
+          <p:cNvPr id="4" name="Picture 3">
+            <a:extLst>
+              <a:ext uri="{FF2B5EF4-FFF2-40B4-BE49-F238E27FC236}">
+                <a16:creationId xmlns:a16="http://schemas.microsoft.com/office/drawing/2014/main" id="{1F97CFC4-2ED0-4CF0-AFE2-CEE6884105D9}"/>
+              </a:ext>
+            </a:extLst>
+          </p:cNvPr>
+          <p:cNvPicPr>
+            <a:picLocks noChangeAspect="1"/>
+          </p:cNvPicPr>
+          <p:nvPr/>
+        </p:nvPicPr>
+        <p:blipFill>
+          <a:blip r:embed="rId2"/>
+          <a:stretch>
+            <a:fillRect/>
+          </a:stretch>
+        </p:blipFill>
+        <p:spPr>
+          <a:xfrm>
+            <a:off x="951680" y="3859659"/>
+            <a:ext cx="4481378" cy="2916995"/>
+          </a:xfrm>
+          <a:prstGeom prst="rect">
+            <a:avLst/>
+          </a:prstGeom>
+        </p:spPr>
+      </p:pic>
+      <p:pic>
+        <p:nvPicPr>
+          <p:cNvPr id="5" name="Picture 4">
+            <a:extLst>
+              <a:ext uri="{FF2B5EF4-FFF2-40B4-BE49-F238E27FC236}">
+                <a16:creationId xmlns:a16="http://schemas.microsoft.com/office/drawing/2014/main" id="{BF938E08-94F5-4859-812F-66AE34FB3239}"/>
+              </a:ext>
+            </a:extLst>
+          </p:cNvPr>
+          <p:cNvPicPr>
+            <a:picLocks noChangeAspect="1"/>
+          </p:cNvPicPr>
+          <p:nvPr/>
+        </p:nvPicPr>
+        <p:blipFill>
+          <a:blip r:embed="rId3"/>
+          <a:stretch>
+            <a:fillRect/>
+          </a:stretch>
+        </p:blipFill>
+        <p:spPr>
+          <a:xfrm>
+            <a:off x="6297790" y="3859659"/>
+            <a:ext cx="4647505" cy="2865735"/>
+          </a:xfrm>
+          <a:prstGeom prst="rect">
+            <a:avLst/>
+          </a:prstGeom>
+        </p:spPr>
+      </p:pic>
     </p:spTree>
     <p:extLst>
       <p:ext uri="{BB962C8B-B14F-4D97-AF65-F5344CB8AC3E}">
-        <p14:creationId xmlns:p14="http://schemas.microsoft.com/office/powerpoint/2010/main" val="4223635489"/>
+        <p14:creationId xmlns:p14="http://schemas.microsoft.com/office/powerpoint/2010/main" val="238777504"/>
       </p:ext>
     </p:extLst>
   </p:cSld>
@@ -8426,7 +8910,7 @@
           <p:cNvPr id="2" name="Title 1">
             <a:extLst>
               <a:ext uri="{FF2B5EF4-FFF2-40B4-BE49-F238E27FC236}">
-                <a16:creationId xmlns:a16="http://schemas.microsoft.com/office/drawing/2014/main" id="{6C69D2E2-9F46-4D0C-8204-AEBAEDA1A73D}"/>
+                <a16:creationId xmlns:a16="http://schemas.microsoft.com/office/drawing/2014/main" id="{AAEFEBA4-1CB4-448B-B8E4-AE04C0973869}"/>
               </a:ext>
             </a:extLst>
           </p:cNvPr>
@@ -8444,7 +8928,7 @@
           <a:p>
             <a:r>
               <a:rPr lang="en-US" dirty="0"/>
-              <a:t>Baseline approach – existing methods</a:t>
+              <a:t>LDA Approach</a:t>
             </a:r>
           </a:p>
         </p:txBody>
@@ -8454,7 +8938,7 @@
           <p:cNvPr id="3" name="Content Placeholder 2">
             <a:extLst>
               <a:ext uri="{FF2B5EF4-FFF2-40B4-BE49-F238E27FC236}">
-                <a16:creationId xmlns:a16="http://schemas.microsoft.com/office/drawing/2014/main" id="{AF206213-5C23-4CFB-822A-FF3A05E26B0B}"/>
+                <a16:creationId xmlns:a16="http://schemas.microsoft.com/office/drawing/2014/main" id="{C0937C4F-34E6-425A-B70D-97F7D555E10E}"/>
               </a:ext>
             </a:extLst>
           </p:cNvPr>
@@ -8465,22 +8949,67 @@
             <p:ph idx="1"/>
           </p:nvPr>
         </p:nvSpPr>
-        <p:spPr/>
+        <p:spPr>
+          <a:xfrm>
+            <a:off x="838200" y="929084"/>
+            <a:ext cx="10515600" cy="4504450"/>
+          </a:xfrm>
+        </p:spPr>
         <p:txBody>
           <a:bodyPr/>
           <a:lstStyle/>
           <a:p>
             <a:r>
               <a:rPr lang="en-US" dirty="0"/>
-              <a:t>Briefly describe the baseline method (existing methods that address your problem statement) you will be comparing your results with</a:t>
-            </a:r>
-          </a:p>
-        </p:txBody>
-      </p:sp>
+              <a:t>Linear Discriminant Analysis to reduce dimensions and predict sectors</a:t>
+            </a:r>
+          </a:p>
+          <a:p>
+            <a:r>
+              <a:rPr lang="en-US" dirty="0"/>
+              <a:t>A supervised way of learning</a:t>
+            </a:r>
+            <a:br>
+              <a:rPr lang="en-US" dirty="0"/>
+            </a:br>
+            <a:endParaRPr lang="en-US" dirty="0"/>
+          </a:p>
+        </p:txBody>
+      </p:sp>
+      <p:pic>
+        <p:nvPicPr>
+          <p:cNvPr id="6" name="Picture 5">
+            <a:extLst>
+              <a:ext uri="{FF2B5EF4-FFF2-40B4-BE49-F238E27FC236}">
+                <a16:creationId xmlns:a16="http://schemas.microsoft.com/office/drawing/2014/main" id="{6DCED95F-213B-40B4-90DB-55529884B7A5}"/>
+              </a:ext>
+            </a:extLst>
+          </p:cNvPr>
+          <p:cNvPicPr>
+            <a:picLocks noChangeAspect="1"/>
+          </p:cNvPicPr>
+          <p:nvPr/>
+        </p:nvPicPr>
+        <p:blipFill>
+          <a:blip r:embed="rId2"/>
+          <a:stretch>
+            <a:fillRect/>
+          </a:stretch>
+        </p:blipFill>
+        <p:spPr>
+          <a:xfrm>
+            <a:off x="3246633" y="2506165"/>
+            <a:ext cx="5811641" cy="3914916"/>
+          </a:xfrm>
+          <a:prstGeom prst="rect">
+            <a:avLst/>
+          </a:prstGeom>
+        </p:spPr>
+      </p:pic>
     </p:spTree>
     <p:extLst>
       <p:ext uri="{BB962C8B-B14F-4D97-AF65-F5344CB8AC3E}">
-        <p14:creationId xmlns:p14="http://schemas.microsoft.com/office/powerpoint/2010/main" val="3280035161"/>
+        <p14:creationId xmlns:p14="http://schemas.microsoft.com/office/powerpoint/2010/main" val="2773038753"/>
       </p:ext>
     </p:extLst>
   </p:cSld>
@@ -8512,7 +9041,7 @@
           <p:cNvPr id="2" name="Title 1">
             <a:extLst>
               <a:ext uri="{FF2B5EF4-FFF2-40B4-BE49-F238E27FC236}">
-                <a16:creationId xmlns:a16="http://schemas.microsoft.com/office/drawing/2014/main" id="{E7CA8450-063E-4BFE-BCC0-7B88119508EF}"/>
+                <a16:creationId xmlns:a16="http://schemas.microsoft.com/office/drawing/2014/main" id="{AAEFEBA4-1CB4-448B-B8E4-AE04C0973869}"/>
               </a:ext>
             </a:extLst>
           </p:cNvPr>
@@ -8530,7 +9059,7 @@
           <a:p>
             <a:r>
               <a:rPr lang="en-US" dirty="0"/>
-              <a:t>Results</a:t>
+              <a:t>Stock Prediction using Recurrent Neural Networks</a:t>
             </a:r>
           </a:p>
         </p:txBody>
@@ -8540,7 +9069,7 @@
           <p:cNvPr id="3" name="Content Placeholder 2">
             <a:extLst>
               <a:ext uri="{FF2B5EF4-FFF2-40B4-BE49-F238E27FC236}">
-                <a16:creationId xmlns:a16="http://schemas.microsoft.com/office/drawing/2014/main" id="{4755451C-11FE-4A59-8644-D917B631A651}"/>
+                <a16:creationId xmlns:a16="http://schemas.microsoft.com/office/drawing/2014/main" id="{C0937C4F-34E6-425A-B70D-97F7D555E10E}"/>
               </a:ext>
             </a:extLst>
           </p:cNvPr>
@@ -8551,26 +9080,25 @@
             <p:ph idx="1"/>
           </p:nvPr>
         </p:nvSpPr>
-        <p:spPr/>
+        <p:spPr>
+          <a:xfrm>
+            <a:off x="838200" y="836616"/>
+            <a:ext cx="10515600" cy="4504450"/>
+          </a:xfrm>
+        </p:spPr>
         <p:txBody>
           <a:bodyPr/>
           <a:lstStyle/>
           <a:p>
             <a:r>
               <a:rPr lang="en-US" dirty="0"/>
-              <a:t>Describe the results of your model and compare it with the baseline</a:t>
+              <a:t>Learn from the training data to predict the price into the future</a:t>
             </a:r>
           </a:p>
           <a:p>
             <a:r>
               <a:rPr lang="en-US" dirty="0"/>
-              <a:t>Interpret the results and draw relevant conclusions about the data and method</a:t>
-            </a:r>
-          </a:p>
-          <a:p>
-            <a:r>
-              <a:rPr lang="en-US" dirty="0"/>
-              <a:t>Any other interesting insights/observations</a:t>
+              <a:t>Test on the testing data</a:t>
             </a:r>
           </a:p>
         </p:txBody>
@@ -8578,7 +9106,7 @@
     </p:spTree>
     <p:extLst>
       <p:ext uri="{BB962C8B-B14F-4D97-AF65-F5344CB8AC3E}">
-        <p14:creationId xmlns:p14="http://schemas.microsoft.com/office/powerpoint/2010/main" val="101042143"/>
+        <p14:creationId xmlns:p14="http://schemas.microsoft.com/office/powerpoint/2010/main" val="2256053110"/>
       </p:ext>
     </p:extLst>
   </p:cSld>
